--- a/Project/Load/Health care.pptx
+++ b/Project/Load/Health care.pptx
@@ -271,7 +271,7 @@
           <a:p>
             <a:fld id="{DB9D8ECF-8E0C-489C-A49B-D1FA094B9D42}" type="datetimeFigureOut">
               <a:rPr lang="en-GB" smtClean="0"/>
-              <a:t>01/09/2024</a:t>
+              <a:t>02/09/2024</a:t>
             </a:fld>
             <a:endParaRPr lang="en-GB" dirty="0"/>
           </a:p>
@@ -1139,7 +1139,7 @@
           <a:p>
             <a:fld id="{DB9D8ECF-8E0C-489C-A49B-D1FA094B9D42}" type="datetimeFigureOut">
               <a:rPr lang="en-GB" smtClean="0"/>
-              <a:t>01/09/2024</a:t>
+              <a:t>02/09/2024</a:t>
             </a:fld>
             <a:endParaRPr lang="en-GB" dirty="0"/>
           </a:p>
@@ -1313,7 +1313,7 @@
           <a:p>
             <a:fld id="{DB9D8ECF-8E0C-489C-A49B-D1FA094B9D42}" type="datetimeFigureOut">
               <a:rPr lang="en-GB" smtClean="0"/>
-              <a:t>01/09/2024</a:t>
+              <a:t>02/09/2024</a:t>
             </a:fld>
             <a:endParaRPr lang="en-GB" dirty="0"/>
           </a:p>
@@ -1482,7 +1482,7 @@
           <a:p>
             <a:fld id="{DB9D8ECF-8E0C-489C-A49B-D1FA094B9D42}" type="datetimeFigureOut">
               <a:rPr lang="en-GB" smtClean="0"/>
-              <a:t>01/09/2024</a:t>
+              <a:t>02/09/2024</a:t>
             </a:fld>
             <a:endParaRPr lang="en-GB" dirty="0"/>
           </a:p>
@@ -1691,7 +1691,7 @@
           <a:p>
             <a:fld id="{DB9D8ECF-8E0C-489C-A49B-D1FA094B9D42}" type="datetimeFigureOut">
               <a:rPr lang="en-GB" smtClean="0"/>
-              <a:t>01/09/2024</a:t>
+              <a:t>02/09/2024</a:t>
             </a:fld>
             <a:endParaRPr lang="en-GB" dirty="0"/>
           </a:p>
@@ -2504,7 +2504,7 @@
           <a:p>
             <a:fld id="{DB9D8ECF-8E0C-489C-A49B-D1FA094B9D42}" type="datetimeFigureOut">
               <a:rPr lang="en-GB" smtClean="0"/>
-              <a:t>01/09/2024</a:t>
+              <a:t>02/09/2024</a:t>
             </a:fld>
             <a:endParaRPr lang="en-GB" dirty="0"/>
           </a:p>
@@ -2739,7 +2739,7 @@
           <a:p>
             <a:fld id="{DB9D8ECF-8E0C-489C-A49B-D1FA094B9D42}" type="datetimeFigureOut">
               <a:rPr lang="en-GB" smtClean="0"/>
-              <a:t>01/09/2024</a:t>
+              <a:t>02/09/2024</a:t>
             </a:fld>
             <a:endParaRPr lang="en-GB" dirty="0"/>
           </a:p>
@@ -3061,7 +3061,7 @@
           <a:p>
             <a:fld id="{DB9D8ECF-8E0C-489C-A49B-D1FA094B9D42}" type="datetimeFigureOut">
               <a:rPr lang="en-GB" smtClean="0"/>
-              <a:t>01/09/2024</a:t>
+              <a:t>02/09/2024</a:t>
             </a:fld>
             <a:endParaRPr lang="en-GB" dirty="0"/>
           </a:p>
@@ -3151,7 +3151,7 @@
           <a:p>
             <a:fld id="{DB9D8ECF-8E0C-489C-A49B-D1FA094B9D42}" type="datetimeFigureOut">
               <a:rPr lang="en-GB" smtClean="0"/>
-              <a:t>01/09/2024</a:t>
+              <a:t>02/09/2024</a:t>
             </a:fld>
             <a:endParaRPr lang="en-GB" dirty="0"/>
           </a:p>
@@ -3667,7 +3667,7 @@
           <a:p>
             <a:fld id="{DB9D8ECF-8E0C-489C-A49B-D1FA094B9D42}" type="datetimeFigureOut">
               <a:rPr lang="en-GB" smtClean="0"/>
-              <a:t>01/09/2024</a:t>
+              <a:t>02/09/2024</a:t>
             </a:fld>
             <a:endParaRPr lang="en-GB" dirty="0"/>
           </a:p>
@@ -4176,7 +4176,7 @@
           <a:p>
             <a:fld id="{DB9D8ECF-8E0C-489C-A49B-D1FA094B9D42}" type="datetimeFigureOut">
               <a:rPr lang="en-GB" smtClean="0"/>
-              <a:t>01/09/2024</a:t>
+              <a:t>02/09/2024</a:t>
             </a:fld>
             <a:endParaRPr lang="en-GB" dirty="0"/>
           </a:p>
@@ -4419,7 +4419,7 @@
           <a:p>
             <a:fld id="{DB9D8ECF-8E0C-489C-A49B-D1FA094B9D42}" type="datetimeFigureOut">
               <a:rPr lang="en-GB" smtClean="0"/>
-              <a:t>01/09/2024</a:t>
+              <a:t>02/09/2024</a:t>
             </a:fld>
             <a:endParaRPr lang="en-GB" dirty="0"/>
           </a:p>
@@ -6072,14 +6072,21 @@
           <a:lstStyle/>
           <a:p>
             <a:r>
+              <a:rPr lang="en-GB" sz="2000" dirty="0"/>
+              <a:t>Medical costs refer to the expenses incurred for medical services and treatments. These costs can vary widely depending on several factors, including the type of medical services, geographic location, patient demographics, and individual health conditions.</a:t>
+            </a:r>
+          </a:p>
+          <a:p>
+            <a:endParaRPr lang="en-GB" sz="2000" dirty="0"/>
+          </a:p>
+          <a:p>
+            <a:r>
+              <a:rPr lang="en-GB" sz="2000" dirty="0"/>
+              <a:t>It includes various attributes such as age, sex, BMI, number of children, smoking status, and region. These attributes are essential in understanding the factors that influence medical costs and can be used for predictive modelling, statistical analysis, and research purposes</a:t>
+            </a:r>
+            <a:r>
               <a:rPr lang="en-GB" dirty="0"/>
-              <a:t>Medical costs refer to the expenses incurred for medical services and treatments. These costs can vary widely depending on several factors, including the type of medical services, geographic location, patient demographics, and individual health conditions.</a:t>
-            </a:r>
-          </a:p>
-          <a:p>
-            <a:r>
-              <a:rPr lang="en-GB" dirty="0"/>
-              <a:t>It includes various attributes such as age, sex, BMI, number of children, smoking status, and region. These attributes are essential in understanding the factors that influence medical costs and can be used for predictive modelling, statistical analysis, and research purposes.</a:t>
+              <a:t>.</a:t>
             </a:r>
           </a:p>
           <a:p>
